--- a/lectures/lec12/lec12.pptx
+++ b/lectures/lec12/lec12.pptx
@@ -3242,12 +3242,12 @@
           <a:p>
             <a:pPr algn="l"/>
             <a:r>
-              <a:rPr lang="en-US" dirty="0" smtClean="0">
+              <a:rPr lang="en-US" smtClean="0">
                 <a:solidFill>
                   <a:schemeClr val="bg1"/>
                 </a:solidFill>
               </a:rPr>
-              <a:t>Python Basics</a:t>
+              <a:t>Python Applications</a:t>
             </a:r>
             <a:endParaRPr lang="en-US" dirty="0">
               <a:solidFill>
@@ -3438,7 +3438,7 @@
             </a:r>
             <a:r>
               <a:rPr lang="en-US" sz="4800" b="1" dirty="0" smtClean="0"/>
-              <a:t>/tuples</a:t>
+              <a:t>/etc.</a:t>
             </a:r>
             <a:endParaRPr lang="en-US" sz="4800" b="1" dirty="0"/>
           </a:p>
@@ -5543,11 +5543,7 @@
             <a:pPr lvl="1"/>
             <a:r>
               <a:rPr lang="en-US" dirty="0" smtClean="0"/>
-              <a:t>Finishes </a:t>
-            </a:r>
-            <a:r>
-              <a:rPr lang="en-US" dirty="0" smtClean="0"/>
-              <a:t>when user hits ‘Return’ key</a:t>
+              <a:t>Finishes when user hits ‘Return’ key</a:t>
             </a:r>
           </a:p>
           <a:p>
@@ -7475,7 +7471,7 @@
         <p:spPr>
           <a:xfrm>
             <a:off x="618565" y="3123296"/>
-            <a:ext cx="4596130" cy="2031325"/>
+            <a:ext cx="4596130" cy="2308324"/>
           </a:xfrm>
           <a:prstGeom prst="rect">
             <a:avLst/>
@@ -7563,7 +7559,37 @@
                 <a:latin typeface="Courier New" panose="02070309020205020404" pitchFamily="49" charset="0"/>
                 <a:cs typeface="Courier New" panose="02070309020205020404" pitchFamily="49" charset="0"/>
               </a:rPr>
-              <a:t>print(row[0], row[1])</a:t>
+              <a:t>col = </a:t>
+            </a:r>
+            <a:r>
+              <a:rPr lang="en-US" altLang="zh-CN" dirty="0" err="1" smtClean="0">
+                <a:latin typeface="Courier New" panose="02070309020205020404" pitchFamily="49" charset="0"/>
+                <a:cs typeface="Courier New" panose="02070309020205020404" pitchFamily="49" charset="0"/>
+              </a:rPr>
+              <a:t>row.strip</a:t>
+            </a:r>
+            <a:r>
+              <a:rPr lang="en-US" altLang="zh-CN" dirty="0" smtClean="0">
+                <a:latin typeface="Courier New" panose="02070309020205020404" pitchFamily="49" charset="0"/>
+                <a:cs typeface="Courier New" panose="02070309020205020404" pitchFamily="49" charset="0"/>
+              </a:rPr>
+              <a:t>().split(‘,’)</a:t>
+            </a:r>
+          </a:p>
+          <a:p>
+            <a:r>
+              <a:rPr lang="en-US" altLang="zh-CN" dirty="0">
+                <a:latin typeface="Courier New" panose="02070309020205020404" pitchFamily="49" charset="0"/>
+                <a:cs typeface="Courier New" panose="02070309020205020404" pitchFamily="49" charset="0"/>
+              </a:rPr>
+              <a:t>	</a:t>
+            </a:r>
+            <a:r>
+              <a:rPr lang="en-US" altLang="zh-CN" dirty="0" smtClean="0">
+                <a:latin typeface="Courier New" panose="02070309020205020404" pitchFamily="49" charset="0"/>
+                <a:cs typeface="Courier New" panose="02070309020205020404" pitchFamily="49" charset="0"/>
+              </a:rPr>
+              <a:t>print(col[2], col[3])</a:t>
             </a:r>
             <a:endParaRPr lang="en-US" altLang="zh-CN" dirty="0">
               <a:latin typeface="Courier New" panose="02070309020205020404" pitchFamily="49" charset="0"/>
@@ -8440,11 +8466,18 @@
           <a:lstStyle/>
           <a:p>
             <a:r>
+              <a:rPr lang="en-US" dirty="0">
+                <a:latin typeface="Courier New" panose="02070309020205020404" pitchFamily="49" charset="0"/>
+                <a:cs typeface="Courier New" panose="02070309020205020404" pitchFamily="49" charset="0"/>
+              </a:rPr>
+              <a:t>r</a:t>
+            </a:r>
+            <a:r>
               <a:rPr lang="en-US" dirty="0" smtClean="0">
                 <a:latin typeface="Courier New" panose="02070309020205020404" pitchFamily="49" charset="0"/>
                 <a:cs typeface="Courier New" panose="02070309020205020404" pitchFamily="49" charset="0"/>
               </a:rPr>
-              <a:t>Requests</a:t>
+              <a:t>equests</a:t>
             </a:r>
             <a:r>
               <a:rPr lang="en-US" dirty="0" smtClean="0">
@@ -8475,7 +8508,7 @@
                 <a:latin typeface="Courier New" panose="02070309020205020404" pitchFamily="49" charset="0"/>
                 <a:cs typeface="Courier New" panose="02070309020205020404" pitchFamily="49" charset="0"/>
               </a:rPr>
-              <a:t>Response</a:t>
+              <a:t>response</a:t>
             </a:r>
             <a:r>
               <a:rPr lang="en-US" dirty="0" smtClean="0">
@@ -8767,7 +8800,19 @@
               <a:rPr lang="en-US" sz="2800" dirty="0" smtClean="0">
                 <a:cs typeface="Courier New" panose="02070309020205020404" pitchFamily="49" charset="0"/>
               </a:rPr>
-              <a:t>attribute is a string of the web data</a:t>
+              <a:t>attribute is a string of </a:t>
+            </a:r>
+            <a:r>
+              <a:rPr lang="en-US" sz="2800" smtClean="0">
+                <a:cs typeface="Courier New" panose="02070309020205020404" pitchFamily="49" charset="0"/>
+              </a:rPr>
+              <a:t>the website </a:t>
+            </a:r>
+            <a:r>
+              <a:rPr lang="en-US" sz="2800" dirty="0" smtClean="0">
+                <a:cs typeface="Courier New" panose="02070309020205020404" pitchFamily="49" charset="0"/>
+              </a:rPr>
+              <a:t>data</a:t>
             </a:r>
           </a:p>
           <a:p>

--- a/lectures/lec12/lec12.pptx
+++ b/lectures/lec12/lec12.pptx
@@ -368,7 +368,7 @@
           <a:p>
             <a:fld id="{5ECE4D60-05A1-A640-A7CD-C0D17F809990}" type="datetimeFigureOut">
               <a:rPr lang="en-US" smtClean="0"/>
-              <a:t>10/30/2017</a:t>
+              <a:t>10/31/17</a:t>
             </a:fld>
             <a:endParaRPr lang="en-US"/>
           </a:p>
@@ -538,7 +538,7 @@
           <a:p>
             <a:fld id="{5ECE4D60-05A1-A640-A7CD-C0D17F809990}" type="datetimeFigureOut">
               <a:rPr lang="en-US" smtClean="0"/>
-              <a:t>10/30/2017</a:t>
+              <a:t>10/31/17</a:t>
             </a:fld>
             <a:endParaRPr lang="en-US"/>
           </a:p>
@@ -718,7 +718,7 @@
           <a:p>
             <a:fld id="{5ECE4D60-05A1-A640-A7CD-C0D17F809990}" type="datetimeFigureOut">
               <a:rPr lang="en-US" smtClean="0"/>
-              <a:t>10/30/2017</a:t>
+              <a:t>10/31/17</a:t>
             </a:fld>
             <a:endParaRPr lang="en-US"/>
           </a:p>
@@ -888,7 +888,7 @@
           <a:p>
             <a:fld id="{5ECE4D60-05A1-A640-A7CD-C0D17F809990}" type="datetimeFigureOut">
               <a:rPr lang="en-US" smtClean="0"/>
-              <a:t>10/30/2017</a:t>
+              <a:t>10/31/17</a:t>
             </a:fld>
             <a:endParaRPr lang="en-US"/>
           </a:p>
@@ -1134,7 +1134,7 @@
           <a:p>
             <a:fld id="{5ECE4D60-05A1-A640-A7CD-C0D17F809990}" type="datetimeFigureOut">
               <a:rPr lang="en-US" smtClean="0"/>
-              <a:t>10/30/2017</a:t>
+              <a:t>10/31/17</a:t>
             </a:fld>
             <a:endParaRPr lang="en-US"/>
           </a:p>
@@ -1422,7 +1422,7 @@
           <a:p>
             <a:fld id="{5ECE4D60-05A1-A640-A7CD-C0D17F809990}" type="datetimeFigureOut">
               <a:rPr lang="en-US" smtClean="0"/>
-              <a:t>10/30/2017</a:t>
+              <a:t>10/31/17</a:t>
             </a:fld>
             <a:endParaRPr lang="en-US"/>
           </a:p>
@@ -1849,7 +1849,7 @@
           <a:p>
             <a:fld id="{5ECE4D60-05A1-A640-A7CD-C0D17F809990}" type="datetimeFigureOut">
               <a:rPr lang="en-US" smtClean="0"/>
-              <a:t>10/30/2017</a:t>
+              <a:t>10/31/17</a:t>
             </a:fld>
             <a:endParaRPr lang="en-US"/>
           </a:p>
@@ -1967,7 +1967,7 @@
           <a:p>
             <a:fld id="{5ECE4D60-05A1-A640-A7CD-C0D17F809990}" type="datetimeFigureOut">
               <a:rPr lang="en-US" smtClean="0"/>
-              <a:t>10/30/2017</a:t>
+              <a:t>10/31/17</a:t>
             </a:fld>
             <a:endParaRPr lang="en-US"/>
           </a:p>
@@ -2062,7 +2062,7 @@
           <a:p>
             <a:fld id="{5ECE4D60-05A1-A640-A7CD-C0D17F809990}" type="datetimeFigureOut">
               <a:rPr lang="en-US" smtClean="0"/>
-              <a:t>10/30/2017</a:t>
+              <a:t>10/31/17</a:t>
             </a:fld>
             <a:endParaRPr lang="en-US"/>
           </a:p>
@@ -2339,7 +2339,7 @@
           <a:p>
             <a:fld id="{5ECE4D60-05A1-A640-A7CD-C0D17F809990}" type="datetimeFigureOut">
               <a:rPr lang="en-US" smtClean="0"/>
-              <a:t>10/30/2017</a:t>
+              <a:t>10/31/17</a:t>
             </a:fld>
             <a:endParaRPr lang="en-US"/>
           </a:p>
@@ -2592,7 +2592,7 @@
           <a:p>
             <a:fld id="{5ECE4D60-05A1-A640-A7CD-C0D17F809990}" type="datetimeFigureOut">
               <a:rPr lang="en-US" smtClean="0"/>
-              <a:t>10/30/2017</a:t>
+              <a:t>10/31/17</a:t>
             </a:fld>
             <a:endParaRPr lang="en-US"/>
           </a:p>
@@ -2805,7 +2805,7 @@
           <a:p>
             <a:fld id="{5ECE4D60-05A1-A640-A7CD-C0D17F809990}" type="datetimeFigureOut">
               <a:rPr lang="en-US" smtClean="0"/>
-              <a:t>10/30/2017</a:t>
+              <a:t>10/31/17</a:t>
             </a:fld>
             <a:endParaRPr lang="en-US"/>
           </a:p>
@@ -3887,6 +3887,13 @@
   <p:clrMapOvr>
     <a:masterClrMapping/>
   </p:clrMapOvr>
+  <p:timing>
+    <p:tnLst>
+      <p:par>
+        <p:cTn id="1" dur="indefinite" restart="never" nodeType="tmRoot"/>
+      </p:par>
+    </p:tnLst>
+  </p:timing>
 </p:sld>
 </file>
 
@@ -4239,6 +4246,13 @@
   <p:clrMapOvr>
     <a:masterClrMapping/>
   </p:clrMapOvr>
+  <p:timing>
+    <p:tnLst>
+      <p:par>
+        <p:cTn id="1" dur="indefinite" restart="never" nodeType="tmRoot"/>
+      </p:par>
+    </p:tnLst>
+  </p:timing>
 </p:sld>
 </file>
 
@@ -4846,7 +4860,7 @@
                 <a:latin typeface="Courier New" panose="02070309020205020404" pitchFamily="49" charset="0"/>
                 <a:cs typeface="Courier New" panose="02070309020205020404" pitchFamily="49" charset="0"/>
               </a:rPr>
-              <a:t>t = </a:t>
+              <a:t>t = list(</a:t>
             </a:r>
             <a:r>
               <a:rPr lang="en-US" altLang="zh-CN" dirty="0" err="1" smtClean="0">
@@ -4860,7 +4874,7 @@
                 <a:latin typeface="Courier New" panose="02070309020205020404" pitchFamily="49" charset="0"/>
                 <a:cs typeface="Courier New" panose="02070309020205020404" pitchFamily="49" charset="0"/>
               </a:rPr>
-              <a:t>()</a:t>
+              <a:t>())</a:t>
             </a:r>
           </a:p>
           <a:p>
@@ -5015,6 +5029,13 @@
   <p:clrMapOvr>
     <a:masterClrMapping/>
   </p:clrMapOvr>
+  <p:timing>
+    <p:tnLst>
+      <p:par>
+        <p:cTn id="1" dur="indefinite" restart="never" nodeType="tmRoot"/>
+      </p:par>
+    </p:tnLst>
+  </p:timing>
 </p:sld>
 </file>
 
@@ -5477,6 +5498,13 @@
   <p:clrMapOvr>
     <a:masterClrMapping/>
   </p:clrMapOvr>
+  <p:timing>
+    <p:tnLst>
+      <p:par>
+        <p:cTn id="1" dur="indefinite" restart="never" nodeType="tmRoot"/>
+      </p:par>
+    </p:tnLst>
+  </p:timing>
 </p:sld>
 </file>
 
@@ -5755,6 +5783,13 @@
   <p:clrMapOvr>
     <a:masterClrMapping/>
   </p:clrMapOvr>
+  <p:timing>
+    <p:tnLst>
+      <p:par>
+        <p:cTn id="1" dur="indefinite" restart="never" nodeType="tmRoot"/>
+      </p:par>
+    </p:tnLst>
+  </p:timing>
 </p:sld>
 </file>
 
@@ -6050,6 +6085,13 @@
   <p:clrMapOvr>
     <a:masterClrMapping/>
   </p:clrMapOvr>
+  <p:timing>
+    <p:tnLst>
+      <p:par>
+        <p:cTn id="1" dur="indefinite" restart="never" nodeType="tmRoot"/>
+      </p:par>
+    </p:tnLst>
+  </p:timing>
 </p:sld>
 </file>
 
@@ -6377,6 +6419,13 @@
   <p:clrMapOvr>
     <a:masterClrMapping/>
   </p:clrMapOvr>
+  <p:timing>
+    <p:tnLst>
+      <p:par>
+        <p:cTn id="1" dur="indefinite" restart="never" nodeType="tmRoot"/>
+      </p:par>
+    </p:tnLst>
+  </p:timing>
 </p:sld>
 </file>
 
@@ -6894,6 +6943,13 @@
   <p:clrMapOvr>
     <a:masterClrMapping/>
   </p:clrMapOvr>
+  <p:timing>
+    <p:tnLst>
+      <p:par>
+        <p:cTn id="1" dur="indefinite" restart="never" nodeType="tmRoot"/>
+      </p:par>
+    </p:tnLst>
+  </p:timing>
 </p:sld>
 </file>
 
@@ -7248,6 +7304,13 @@
   <p:clrMapOvr>
     <a:masterClrMapping/>
   </p:clrMapOvr>
+  <p:timing>
+    <p:tnLst>
+      <p:par>
+        <p:cTn id="1" dur="indefinite" restart="never" nodeType="tmRoot"/>
+      </p:par>
+    </p:tnLst>
+  </p:timing>
 </p:sld>
 </file>
 
@@ -7505,7 +7568,21 @@
                 <a:latin typeface="Courier New" panose="02070309020205020404" pitchFamily="49" charset="0"/>
                 <a:cs typeface="Courier New" panose="02070309020205020404" pitchFamily="49" charset="0"/>
               </a:rPr>
-              <a:t> = open(‘auto.csv’)</a:t>
+              <a:t> = open(‘</a:t>
+            </a:r>
+            <a:r>
+              <a:rPr lang="en-US" altLang="zh-CN" dirty="0" err="1" smtClean="0">
+                <a:latin typeface="Courier New" panose="02070309020205020404" pitchFamily="49" charset="0"/>
+                <a:cs typeface="Courier New" panose="02070309020205020404" pitchFamily="49" charset="0"/>
+              </a:rPr>
+              <a:t>autos.csv</a:t>
+            </a:r>
+            <a:r>
+              <a:rPr lang="en-US" altLang="zh-CN" dirty="0" smtClean="0">
+                <a:latin typeface="Courier New" panose="02070309020205020404" pitchFamily="49" charset="0"/>
+                <a:cs typeface="Courier New" panose="02070309020205020404" pitchFamily="49" charset="0"/>
+              </a:rPr>
+              <a:t>’)</a:t>
             </a:r>
           </a:p>
           <a:p>
@@ -7651,6 +7728,13 @@
   <p:clrMapOvr>
     <a:masterClrMapping/>
   </p:clrMapOvr>
+  <p:timing>
+    <p:tnLst>
+      <p:par>
+        <p:cTn id="1" dur="indefinite" restart="never" nodeType="tmRoot"/>
+      </p:par>
+    </p:tnLst>
+  </p:timing>
 </p:sld>
 </file>
 
@@ -8028,6 +8112,13 @@
   <p:clrMapOvr>
     <a:masterClrMapping/>
   </p:clrMapOvr>
+  <p:timing>
+    <p:tnLst>
+      <p:par>
+        <p:cTn id="1" dur="indefinite" restart="never" nodeType="tmRoot"/>
+      </p:par>
+    </p:tnLst>
+  </p:timing>
 </p:sld>
 </file>
 
@@ -8277,6 +8368,13 @@
   <p:clrMapOvr>
     <a:masterClrMapping/>
   </p:clrMapOvr>
+  <p:timing>
+    <p:tnLst>
+      <p:par>
+        <p:cTn id="1" dur="indefinite" restart="never" nodeType="tmRoot"/>
+      </p:par>
+    </p:tnLst>
+  </p:timing>
 </p:sld>
 </file>
 
@@ -8595,6 +8693,13 @@
   <p:clrMapOvr>
     <a:masterClrMapping/>
   </p:clrMapOvr>
+  <p:timing>
+    <p:tnLst>
+      <p:par>
+        <p:cTn id="1" dur="indefinite" restart="never" nodeType="tmRoot"/>
+      </p:par>
+    </p:tnLst>
+  </p:timing>
 </p:sld>
 </file>
 
@@ -8902,6 +9007,13 @@
   <p:clrMapOvr>
     <a:masterClrMapping/>
   </p:clrMapOvr>
+  <p:timing>
+    <p:tnLst>
+      <p:par>
+        <p:cTn id="1" dur="indefinite" restart="never" nodeType="tmRoot"/>
+      </p:par>
+    </p:tnLst>
+  </p:timing>
 </p:sld>
 </file>
 
@@ -9308,6 +9420,13 @@
   <p:clrMapOvr>
     <a:masterClrMapping/>
   </p:clrMapOvr>
+  <p:timing>
+    <p:tnLst>
+      <p:par>
+        <p:cTn id="1" dur="indefinite" restart="never" nodeType="tmRoot"/>
+      </p:par>
+    </p:tnLst>
+  </p:timing>
 </p:sld>
 </file>
 
@@ -9358,7 +9477,11 @@
             <a:pPr lvl="1"/>
             <a:r>
               <a:rPr lang="en-US" dirty="0" smtClean="0"/>
-              <a:t>Faculty room opposite side of 414</a:t>
+              <a:t>Faculty room opposite side of </a:t>
+            </a:r>
+            <a:r>
+              <a:rPr lang="en-US" dirty="0" smtClean="0"/>
+              <a:t>414: 409</a:t>
             </a:r>
             <a:endParaRPr lang="en-US" dirty="0"/>
           </a:p>
@@ -9547,6 +9670,13 @@
   <p:clrMapOvr>
     <a:masterClrMapping/>
   </p:clrMapOvr>
+  <p:timing>
+    <p:tnLst>
+      <p:par>
+        <p:cTn id="1" dur="indefinite" restart="never" nodeType="tmRoot"/>
+      </p:par>
+    </p:tnLst>
+  </p:timing>
 </p:sld>
 </file>
 
@@ -10039,6 +10169,13 @@
   <p:clrMapOvr>
     <a:masterClrMapping/>
   </p:clrMapOvr>
+  <p:timing>
+    <p:tnLst>
+      <p:par>
+        <p:cTn id="1" dur="indefinite" restart="never" nodeType="tmRoot"/>
+      </p:par>
+    </p:tnLst>
+  </p:timing>
 </p:sld>
 </file>
 
@@ -10434,6 +10571,13 @@
   <p:clrMapOvr>
     <a:masterClrMapping/>
   </p:clrMapOvr>
+  <p:timing>
+    <p:tnLst>
+      <p:par>
+        <p:cTn id="1" dur="indefinite" restart="never" nodeType="tmRoot"/>
+      </p:par>
+    </p:tnLst>
+  </p:timing>
 </p:sld>
 </file>
 
@@ -10946,6 +11090,13 @@
   <p:clrMapOvr>
     <a:masterClrMapping/>
   </p:clrMapOvr>
+  <p:timing>
+    <p:tnLst>
+      <p:par>
+        <p:cTn id="1" dur="indefinite" restart="never" nodeType="tmRoot"/>
+      </p:par>
+    </p:tnLst>
+  </p:timing>
 </p:sld>
 </file>
 
@@ -11236,6 +11387,13 @@
   <p:clrMapOvr>
     <a:masterClrMapping/>
   </p:clrMapOvr>
+  <p:timing>
+    <p:tnLst>
+      <p:par>
+        <p:cTn id="1" dur="indefinite" restart="never" nodeType="tmRoot"/>
+      </p:par>
+    </p:tnLst>
+  </p:timing>
 </p:sld>
 </file>
 
